--- a/lessons/sesson08/Session_08.pptx
+++ b/lessons/sesson08/Session_08.pptx
@@ -3915,7 +3915,7 @@
           <a:p>
             <a:r>
               <a:rPr lang="en-US" sz="2400" b="1" dirty="0"/>
-              <a:t>5. Python: Function sum up (1)</a:t>
+              <a:t>5. Python: Function sum up (2)</a:t>
             </a:r>
           </a:p>
           <a:p>

--- a/lessons/sesson08/Session_08.pptx
+++ b/lessons/sesson08/Session_08.pptx
@@ -3471,8 +3471,8 @@
         </p:nvSpPr>
         <p:spPr>
           <a:xfrm>
-            <a:off x="0" y="1122363"/>
-            <a:ext cx="12192000" cy="2387600"/>
+            <a:off x="0" y="92350"/>
+            <a:ext cx="12192000" cy="2198905"/>
           </a:xfrm>
         </p:spPr>
         <p:txBody>
@@ -3490,7 +3490,7 @@
             </a:br>
             <a:r>
               <a:rPr lang="en-US" b="1" dirty="0"/>
-              <a:t>07/16/2022</a:t>
+              <a:t>07/20/2022</a:t>
             </a:r>
             <a:br>
               <a:rPr lang="en-US" dirty="0"/>
@@ -3547,6 +3547,75 @@
           </a:p>
         </p:txBody>
       </p:sp>
+      <p:graphicFrame>
+        <p:nvGraphicFramePr>
+          <p:cNvPr id="4" name="Object 3">
+            <a:extLst>
+              <a:ext uri="{FF2B5EF4-FFF2-40B4-BE49-F238E27FC236}">
+                <a16:creationId xmlns:a16="http://schemas.microsoft.com/office/drawing/2014/main" id="{4188F7A5-39AF-CD3C-714A-16A73CF1D43E}"/>
+              </a:ext>
+            </a:extLst>
+          </p:cNvPr>
+          <p:cNvGraphicFramePr>
+            <a:graphicFrameLocks noChangeAspect="1"/>
+          </p:cNvGraphicFramePr>
+          <p:nvPr>
+            <p:extLst>
+              <p:ext uri="{D42A27DB-BD31-4B8C-83A1-F6EECF244321}">
+                <p14:modId xmlns:p14="http://schemas.microsoft.com/office/powerpoint/2010/main" val="3915110271"/>
+              </p:ext>
+            </p:extLst>
+          </p:nvPr>
+        </p:nvGraphicFramePr>
+        <p:xfrm>
+          <a:off x="2661363" y="2383605"/>
+          <a:ext cx="7859493" cy="3464137"/>
+        </p:xfrm>
+        <a:graphic>
+          <a:graphicData uri="http://schemas.openxmlformats.org/presentationml/2006/ole">
+            <mc:AlternateContent xmlns:mc="http://schemas.openxmlformats.org/markup-compatibility/2006">
+              <mc:Choice xmlns:v="urn:schemas-microsoft-com:vml" Requires="v">
+                <p:oleObj name="Worksheet" r:id="rId2" imgW="6029276" imgH="2657606" progId="Excel.Sheet.12">
+                  <p:embed/>
+                </p:oleObj>
+              </mc:Choice>
+              <mc:Fallback>
+                <p:oleObj name="Worksheet" r:id="rId2" imgW="6029276" imgH="2657606" progId="Excel.Sheet.12">
+                  <p:embed/>
+                  <p:pic>
+                    <p:nvPicPr>
+                      <p:cNvPr id="2" name="Object 1">
+                        <a:extLst>
+                          <a:ext uri="{FF2B5EF4-FFF2-40B4-BE49-F238E27FC236}">
+                            <a16:creationId xmlns:a16="http://schemas.microsoft.com/office/drawing/2014/main" id="{3B29133E-794B-5284-CE1E-594C6809536E}"/>
+                          </a:ext>
+                        </a:extLst>
+                      </p:cNvPr>
+                      <p:cNvPicPr/>
+                      <p:nvPr/>
+                    </p:nvPicPr>
+                    <p:blipFill>
+                      <a:blip r:embed="rId3"/>
+                      <a:stretch>
+                        <a:fillRect/>
+                      </a:stretch>
+                    </p:blipFill>
+                    <p:spPr>
+                      <a:xfrm>
+                        <a:off x="2661363" y="2383605"/>
+                        <a:ext cx="7859493" cy="3464137"/>
+                      </a:xfrm>
+                      <a:prstGeom prst="rect">
+                        <a:avLst/>
+                      </a:prstGeom>
+                    </p:spPr>
+                  </p:pic>
+                </p:oleObj>
+              </mc:Fallback>
+            </mc:AlternateContent>
+          </a:graphicData>
+        </a:graphic>
+      </p:graphicFrame>
     </p:spTree>
     <p:extLst>
       <p:ext uri="{BB962C8B-B14F-4D97-AF65-F5344CB8AC3E}">
@@ -3664,10 +3733,10 @@
       </p:sp>
       <p:graphicFrame>
         <p:nvGraphicFramePr>
-          <p:cNvPr id="5" name="Object 4">
-            <a:extLst>
-              <a:ext uri="{FF2B5EF4-FFF2-40B4-BE49-F238E27FC236}">
-                <a16:creationId xmlns:a16="http://schemas.microsoft.com/office/drawing/2014/main" id="{CAC3E8DA-480F-D0F6-CDA9-A79093050104}"/>
+          <p:cNvPr id="4" name="Object 3">
+            <a:extLst>
+              <a:ext uri="{FF2B5EF4-FFF2-40B4-BE49-F238E27FC236}">
+                <a16:creationId xmlns:a16="http://schemas.microsoft.com/office/drawing/2014/main" id="{3DE0AED0-868A-B733-00E6-37B0869EAE99}"/>
               </a:ext>
             </a:extLst>
           </p:cNvPr>
@@ -3677,14 +3746,14 @@
           <p:nvPr>
             <p:extLst>
               <p:ext uri="{D42A27DB-BD31-4B8C-83A1-F6EECF244321}">
-                <p14:modId xmlns:p14="http://schemas.microsoft.com/office/powerpoint/2010/main" val="3377974012"/>
+                <p14:modId xmlns:p14="http://schemas.microsoft.com/office/powerpoint/2010/main" val="1050094948"/>
               </p:ext>
             </p:extLst>
           </p:nvPr>
         </p:nvGraphicFramePr>
         <p:xfrm>
-          <a:off x="1125100" y="1268038"/>
-          <a:ext cx="9616074" cy="4397038"/>
+          <a:off x="1513983" y="1268038"/>
+          <a:ext cx="9179348" cy="4197341"/>
         </p:xfrm>
         <a:graphic>
           <a:graphicData uri="http://schemas.openxmlformats.org/presentationml/2006/ole">
@@ -3711,8 +3780,8 @@
                     </p:blipFill>
                     <p:spPr>
                       <a:xfrm>
-                        <a:off x="1125100" y="1268038"/>
-                        <a:ext cx="9616074" cy="4397038"/>
+                        <a:off x="1513983" y="1268038"/>
+                        <a:ext cx="9179348" cy="4197341"/>
                       </a:xfrm>
                       <a:prstGeom prst="rect">
                         <a:avLst/>
@@ -3906,7 +3975,7 @@
             </a:r>
             <a:r>
               <a:rPr lang="en-US" sz="2400" b="1" dirty="0"/>
-              <a:t>: SAT words’ Flash Card.  </a:t>
+              <a:t>: Topic Modeling / College Summaries  </a:t>
             </a:r>
           </a:p>
           <a:p>
@@ -4081,7 +4150,7 @@
         <p:spPr>
           <a:xfrm>
             <a:off x="0" y="1674674"/>
-            <a:ext cx="12192000" cy="2400657"/>
+            <a:ext cx="12192000" cy="1415772"/>
           </a:xfrm>
           <a:prstGeom prst="rect">
             <a:avLst/>
@@ -4107,27 +4176,7 @@
             </a:pPr>
             <a:r>
               <a:rPr lang="en-US" sz="3200" b="1" dirty="0"/>
-              <a:t>CrossLesson_nlp_scraping_session08_review.ipynb</a:t>
-            </a:r>
-          </a:p>
-          <a:p>
-            <a:pPr marL="457200" indent="-457200" algn="ctr">
-              <a:buFont typeface="Arial" panose="020B0604020202020204" pitchFamily="34" charset="0"/>
-              <a:buChar char="•"/>
-            </a:pPr>
-            <a:r>
-              <a:rPr lang="en-US" sz="3200" b="1" dirty="0"/>
-              <a:t>Session_08_Scratchbook.ipynb</a:t>
-            </a:r>
-          </a:p>
-          <a:p>
-            <a:pPr marL="457200" indent="-457200" algn="ctr">
-              <a:buFont typeface="Arial" panose="020B0604020202020204" pitchFamily="34" charset="0"/>
-              <a:buChar char="•"/>
-            </a:pPr>
-            <a:r>
-              <a:rPr lang="en-US" sz="3200" b="1" dirty="0" err="1"/>
-              <a:t>CrossLesson_nlp_flashcard.ipynb</a:t>
+              <a:t>Session_09_Scratchbook.ipynb </a:t>
             </a:r>
             <a:endParaRPr lang="en-US" sz="5400" b="1" dirty="0"/>
           </a:p>
